--- a/project/report/CSE804_Abstract Presentation GuideLine.pptx
+++ b/project/report/CSE804_Abstract Presentation GuideLine.pptx
@@ -204,7 +204,7 @@
                 <a:cs typeface="Tahoma" pitchFamily="34" charset="0"/>
               </a:rPr>
               <a:pPr/>
-              <a:t>10/18/17</a:t>
+              <a:t>11/3/18</a:t>
             </a:fld>
             <a:endParaRPr lang="en-US" dirty="0">
               <a:solidFill>
@@ -247,7 +247,7 @@
           </a:lstStyle>
           <a:p>
             <a:r>
-              <a:rPr lang="en-US" dirty="0" smtClean="0">
+              <a:rPr lang="en-US" dirty="0">
                 <a:solidFill>
                   <a:schemeClr val="bg1">
                     <a:lumMod val="65000"/>
@@ -259,16 +259,6 @@
               </a:rPr>
               <a:t>Distribution Statement</a:t>
             </a:r>
-            <a:endParaRPr lang="en-US" dirty="0">
-              <a:solidFill>
-                <a:schemeClr val="bg1">
-                  <a:lumMod val="65000"/>
-                </a:schemeClr>
-              </a:solidFill>
-              <a:latin typeface="Tahoma" pitchFamily="34" charset="0"/>
-              <a:ea typeface="Tahoma" pitchFamily="34" charset="0"/>
-              <a:cs typeface="Tahoma" pitchFamily="34" charset="0"/>
-            </a:endParaRPr>
           </a:p>
         </p:txBody>
       </p:sp>
@@ -452,7 +442,7 @@
             <a:fld id="{92715C0D-0E45-40B4-BE1B-664AAA8E6B7F}" type="datetimeFigureOut">
               <a:rPr lang="en-US" smtClean="0"/>
               <a:pPr/>
-              <a:t>10/18/17</a:t>
+              <a:t>11/3/18</a:t>
             </a:fld>
             <a:endParaRPr lang="en-US" dirty="0"/>
           </a:p>
@@ -518,38 +508,37 @@
           <a:p>
             <a:pPr lvl="0"/>
             <a:r>
-              <a:rPr lang="en-US" dirty="0" smtClean="0"/>
+              <a:rPr lang="en-US" dirty="0"/>
               <a:t>Click to edit Master text styles</a:t>
             </a:r>
           </a:p>
           <a:p>
             <a:pPr lvl="1"/>
             <a:r>
-              <a:rPr lang="en-US" dirty="0" smtClean="0"/>
+              <a:rPr lang="en-US" dirty="0"/>
               <a:t>Second level</a:t>
             </a:r>
           </a:p>
           <a:p>
             <a:pPr lvl="2"/>
             <a:r>
-              <a:rPr lang="en-US" dirty="0" smtClean="0"/>
+              <a:rPr lang="en-US" dirty="0"/>
               <a:t>Third level</a:t>
             </a:r>
           </a:p>
           <a:p>
             <a:pPr lvl="3"/>
             <a:r>
-              <a:rPr lang="en-US" dirty="0" smtClean="0"/>
+              <a:rPr lang="en-US" dirty="0"/>
               <a:t>Fourth level</a:t>
             </a:r>
           </a:p>
           <a:p>
             <a:pPr lvl="4"/>
             <a:r>
-              <a:rPr lang="en-US" dirty="0" smtClean="0"/>
+              <a:rPr lang="en-US" dirty="0"/>
               <a:t>Fifth level</a:t>
             </a:r>
-            <a:endParaRPr lang="en-US" dirty="0"/>
           </a:p>
         </p:txBody>
       </p:sp>
@@ -590,10 +579,9 @@
           </a:lstStyle>
           <a:p>
             <a:r>
-              <a:rPr lang="en-US" dirty="0" smtClean="0"/>
+              <a:rPr lang="en-US" dirty="0"/>
               <a:t>Distribution Statement</a:t>
             </a:r>
-            <a:endParaRPr lang="en-US" dirty="0"/>
           </a:p>
         </p:txBody>
       </p:sp>
@@ -1142,21 +1130,21 @@
             </a:lstStyle>
             <a:p>
               <a:pPr marL="120650" indent="-120650"/>
-              <a:endParaRPr lang="en-US" sz="1000" b="1" dirty="0" smtClean="0"/>
+              <a:endParaRPr lang="en-US" sz="1000" b="1" dirty="0"/>
             </a:p>
             <a:p>
               <a:pPr marL="120650" indent="-120650">
                 <a:buFont typeface="Arial" pitchFamily="34" charset="0"/>
                 <a:buChar char="•"/>
               </a:pPr>
-              <a:endParaRPr lang="en-US" sz="1000" b="1" dirty="0" smtClean="0"/>
+              <a:endParaRPr lang="en-US" sz="1000" b="1" dirty="0"/>
             </a:p>
             <a:p>
               <a:pPr marL="120650" indent="-120650">
                 <a:buFont typeface="Arial" pitchFamily="34" charset="0"/>
                 <a:buChar char="•"/>
               </a:pPr>
-              <a:endParaRPr lang="en-US" sz="1000" b="1" dirty="0" smtClean="0"/>
+              <a:endParaRPr lang="en-US" sz="1000" b="1" dirty="0"/>
             </a:p>
           </p:txBody>
         </p:sp>
@@ -1625,10 +1613,17 @@
           <a:lstStyle/>
           <a:p>
             <a:r>
-              <a:rPr lang="en-US" smtClean="0"/>
+              <a:rPr lang="en-US" dirty="0"/>
               <a:t>Name: </a:t>
             </a:r>
-            <a:endParaRPr lang="en-US"/>
+            <a:r>
+              <a:rPr lang="en-US" dirty="0" err="1"/>
+              <a:t>Mrinmoy</a:t>
+            </a:r>
+            <a:r>
+              <a:rPr lang="en-US" dirty="0"/>
+              <a:t> Sarkar </a:t>
+            </a:r>
           </a:p>
         </p:txBody>
       </p:sp>
@@ -1655,10 +1650,9 @@
           <a:lstStyle/>
           <a:p>
             <a:r>
-              <a:rPr lang="en-US" dirty="0" smtClean="0"/>
+              <a:rPr lang="en-US" dirty="0"/>
               <a:t>Project Title: </a:t>
             </a:r>
-            <a:endParaRPr lang="en-US" dirty="0"/>
           </a:p>
         </p:txBody>
       </p:sp>
@@ -1686,18 +1680,13 @@
           <a:p>
             <a:pPr algn="ctr"/>
             <a:r>
-              <a:rPr lang="en-US" dirty="0" smtClean="0">
+              <a:rPr lang="en-US" dirty="0">
                 <a:solidFill>
                   <a:schemeClr val="bg1"/>
                 </a:solidFill>
               </a:rPr>
               <a:t>Abstract</a:t>
             </a:r>
-            <a:endParaRPr lang="en-US" dirty="0">
-              <a:solidFill>
-                <a:schemeClr val="bg1"/>
-              </a:solidFill>
-            </a:endParaRPr>
           </a:p>
         </p:txBody>
       </p:sp>
@@ -1728,7 +1717,7 @@
               <a:buAutoNum type="arabicPeriod"/>
             </a:pPr>
             <a:r>
-              <a:rPr lang="en-US" dirty="0" smtClean="0"/>
+              <a:rPr lang="en-US" dirty="0"/>
               <a:t>Problem Statement: </a:t>
             </a:r>
           </a:p>
@@ -1738,16 +1727,8 @@
               <a:buAutoNum type="alphaLcParenR"/>
             </a:pPr>
             <a:r>
-              <a:rPr lang="en-US" dirty="0" smtClean="0"/>
-              <a:t>describe what problem </a:t>
-            </a:r>
-            <a:r>
               <a:rPr lang="en-US" dirty="0"/>
-              <a:t>you </a:t>
-            </a:r>
-            <a:r>
-              <a:rPr lang="en-US" dirty="0" smtClean="0"/>
-              <a:t>are working?</a:t>
+              <a:t>describe what problem you are working?</a:t>
             </a:r>
           </a:p>
           <a:p>
@@ -1756,7 +1737,7 @@
               <a:buAutoNum type="alphaLcParenR"/>
             </a:pPr>
             <a:r>
-              <a:rPr lang="en-US" dirty="0" smtClean="0"/>
+              <a:rPr lang="en-US" dirty="0"/>
               <a:t>highlight why it is important?</a:t>
             </a:r>
           </a:p>
@@ -1766,7 +1747,7 @@
               <a:buAutoNum type="alphaLcParenR"/>
             </a:pPr>
             <a:r>
-              <a:rPr lang="en-US" dirty="0" smtClean="0"/>
+              <a:rPr lang="en-US" dirty="0"/>
               <a:t>List the prior arts, review each of them, and explain the gap you found.</a:t>
             </a:r>
           </a:p>
@@ -1783,10 +1764,9 @@
               <a:buAutoNum type="arabicPeriod"/>
             </a:pPr>
             <a:r>
-              <a:rPr lang="en-US" dirty="0" smtClean="0"/>
+              <a:rPr lang="en-US" dirty="0"/>
               <a:t>Proposed method: </a:t>
             </a:r>
-            <a:endParaRPr lang="en-US" dirty="0"/>
           </a:p>
           <a:p>
             <a:pPr marL="800100" lvl="1" indent="-342900">
@@ -1794,7 +1774,7 @@
               <a:buAutoNum type="alphaLcParenR"/>
             </a:pPr>
             <a:r>
-              <a:rPr lang="en-US" dirty="0" smtClean="0"/>
+              <a:rPr lang="en-US" dirty="0"/>
               <a:t>What do you propose to fill this gap?</a:t>
             </a:r>
           </a:p>
@@ -1811,10 +1791,9 @@
               <a:buAutoNum type="arabicPeriod"/>
             </a:pPr>
             <a:r>
-              <a:rPr lang="en-US" dirty="0" smtClean="0"/>
+              <a:rPr lang="en-US" dirty="0"/>
               <a:t>Data and expected results: </a:t>
             </a:r>
-            <a:endParaRPr lang="en-US" dirty="0"/>
           </a:p>
           <a:p>
             <a:pPr marL="800100" lvl="1" indent="-342900">
@@ -1822,10 +1801,9 @@
               <a:buAutoNum type="alphaLcParenR"/>
             </a:pPr>
             <a:r>
-              <a:rPr lang="en-US" dirty="0" smtClean="0"/>
+              <a:rPr lang="en-US" dirty="0"/>
               <a:t>What data are you using? What tool? If not available on time, what assumptions you would have to deliver the class project on time? </a:t>
             </a:r>
-            <a:endParaRPr lang="en-US" dirty="0"/>
           </a:p>
           <a:p>
             <a:pPr marL="800100" lvl="1" indent="-342900">
@@ -1833,10 +1811,9 @@
               <a:buAutoNum type="alphaLcParenR"/>
             </a:pPr>
             <a:r>
-              <a:rPr lang="en-US" dirty="0" smtClean="0"/>
+              <a:rPr lang="en-US" dirty="0"/>
               <a:t>What results do you expect? How are you going to organize the result to show meaningful  </a:t>
             </a:r>
-            <a:endParaRPr lang="en-US" dirty="0"/>
           </a:p>
           <a:p>
             <a:pPr marL="800100" lvl="1" indent="-342900">
@@ -1851,7 +1828,7 @@
               <a:buAutoNum type="arabicPeriod"/>
             </a:pPr>
             <a:r>
-              <a:rPr lang="en-US" dirty="0" smtClean="0"/>
+              <a:rPr lang="en-US" dirty="0"/>
               <a:t>Plan</a:t>
             </a:r>
           </a:p>
@@ -1861,7 +1838,7 @@
               <a:buAutoNum type="alphaLcParenR"/>
             </a:pPr>
             <a:r>
-              <a:rPr lang="en-US" dirty="0" smtClean="0"/>
+              <a:rPr lang="en-US" dirty="0"/>
               <a:t>What is your plan to accomplish this? Provide your current status and weekly plan. </a:t>
             </a:r>
           </a:p>
@@ -1871,10 +1848,9 @@
               <a:buAutoNum type="alphaLcParenR"/>
             </a:pPr>
             <a:r>
-              <a:rPr lang="en-US" dirty="0" smtClean="0"/>
+              <a:rPr lang="en-US" dirty="0"/>
               <a:t>What is the limitation and how your class project can be improved after this semester?</a:t>
             </a:r>
-            <a:endParaRPr lang="en-US" dirty="0"/>
           </a:p>
         </p:txBody>
       </p:sp>
@@ -1888,13 +1864,6 @@
   <p:clrMapOvr>
     <a:masterClrMapping/>
   </p:clrMapOvr>
-  <p:timing>
-    <p:tnLst>
-      <p:par>
-        <p:cTn id="1" dur="indefinite" restart="never" nodeType="tmRoot"/>
-      </p:par>
-    </p:tnLst>
-  </p:timing>
 </p:sld>
 </file>
 
